--- a/Demo Slides.pptx
+++ b/Demo Slides.pptx
@@ -116,6 +116,11 @@
       </a:defRPr>
     </a:lvl9pPr>
   </p:defaultTextStyle>
+  <p:extLst>
+    <p:ext uri="{EFAFB233-063F-42B5-8137-9DF3F51BA10A}">
+      <p15:sldGuideLst xmlns:p15="http://schemas.microsoft.com/office/powerpoint/2012/main"/>
+    </p:ext>
+  </p:extLst>
 </p:presentation>
 </file>
 
@@ -4395,7 +4400,7 @@
           <a:p>
             <a:fld id="{56A16C53-2A24-4586-AB7F-B53C9D96C8C3}" type="datetimeFigureOut">
               <a:rPr lang="en-US" smtClean="0"/>
-              <a:t>2020-10-17</a:t>
+              <a:t>10/18/2020</a:t>
             </a:fld>
             <a:endParaRPr lang="en-US"/>
           </a:p>
@@ -4662,7 +4667,7 @@
           <a:p>
             <a:fld id="{56A16C53-2A24-4586-AB7F-B53C9D96C8C3}" type="datetimeFigureOut">
               <a:rPr lang="en-US" smtClean="0"/>
-              <a:t>2020-10-17</a:t>
+              <a:t>10/18/2020</a:t>
             </a:fld>
             <a:endParaRPr lang="en-US"/>
           </a:p>
@@ -4858,7 +4863,7 @@
           <a:p>
             <a:fld id="{56A16C53-2A24-4586-AB7F-B53C9D96C8C3}" type="datetimeFigureOut">
               <a:rPr lang="en-US" smtClean="0"/>
-              <a:t>2020-10-17</a:t>
+              <a:t>10/18/2020</a:t>
             </a:fld>
             <a:endParaRPr lang="en-US"/>
           </a:p>
@@ -5121,7 +5126,7 @@
           <a:p>
             <a:fld id="{56A16C53-2A24-4586-AB7F-B53C9D96C8C3}" type="datetimeFigureOut">
               <a:rPr lang="en-US" smtClean="0"/>
-              <a:t>2020-10-17</a:t>
+              <a:t>10/18/2020</a:t>
             </a:fld>
             <a:endParaRPr lang="en-US"/>
           </a:p>
@@ -5555,7 +5560,7 @@
           <a:p>
             <a:fld id="{56A16C53-2A24-4586-AB7F-B53C9D96C8C3}" type="datetimeFigureOut">
               <a:rPr lang="en-US" smtClean="0"/>
-              <a:t>2020-10-17</a:t>
+              <a:t>10/18/2020</a:t>
             </a:fld>
             <a:endParaRPr lang="en-US"/>
           </a:p>
@@ -6101,7 +6106,7 @@
           <a:p>
             <a:fld id="{56A16C53-2A24-4586-AB7F-B53C9D96C8C3}" type="datetimeFigureOut">
               <a:rPr lang="en-US" smtClean="0"/>
-              <a:t>2020-10-17</a:t>
+              <a:t>10/18/2020</a:t>
             </a:fld>
             <a:endParaRPr lang="en-US"/>
           </a:p>
@@ -6821,7 +6826,7 @@
           <a:p>
             <a:fld id="{56A16C53-2A24-4586-AB7F-B53C9D96C8C3}" type="datetimeFigureOut">
               <a:rPr lang="en-US" smtClean="0"/>
-              <a:t>2020-10-17</a:t>
+              <a:t>10/18/2020</a:t>
             </a:fld>
             <a:endParaRPr lang="en-US"/>
           </a:p>
@@ -6991,7 +6996,7 @@
           <a:p>
             <a:fld id="{56A16C53-2A24-4586-AB7F-B53C9D96C8C3}" type="datetimeFigureOut">
               <a:rPr lang="en-US" smtClean="0"/>
-              <a:t>2020-10-17</a:t>
+              <a:t>10/18/2020</a:t>
             </a:fld>
             <a:endParaRPr lang="en-US"/>
           </a:p>
@@ -7171,7 +7176,7 @@
           <a:p>
             <a:fld id="{56A16C53-2A24-4586-AB7F-B53C9D96C8C3}" type="datetimeFigureOut">
               <a:rPr lang="en-US" smtClean="0"/>
-              <a:t>2020-10-17</a:t>
+              <a:t>10/18/2020</a:t>
             </a:fld>
             <a:endParaRPr lang="en-US"/>
           </a:p>
@@ -7341,7 +7346,7 @@
           <a:p>
             <a:fld id="{56A16C53-2A24-4586-AB7F-B53C9D96C8C3}" type="datetimeFigureOut">
               <a:rPr lang="en-US" smtClean="0"/>
-              <a:t>2020-10-17</a:t>
+              <a:t>10/18/2020</a:t>
             </a:fld>
             <a:endParaRPr lang="en-US"/>
           </a:p>
@@ -7591,7 +7596,7 @@
           <a:p>
             <a:fld id="{56A16C53-2A24-4586-AB7F-B53C9D96C8C3}" type="datetimeFigureOut">
               <a:rPr lang="en-US" smtClean="0"/>
-              <a:t>2020-10-17</a:t>
+              <a:t>10/18/2020</a:t>
             </a:fld>
             <a:endParaRPr lang="en-US"/>
           </a:p>
@@ -7823,7 +7828,7 @@
           <a:p>
             <a:fld id="{56A16C53-2A24-4586-AB7F-B53C9D96C8C3}" type="datetimeFigureOut">
               <a:rPr lang="en-US" smtClean="0"/>
-              <a:t>2020-10-17</a:t>
+              <a:t>10/18/2020</a:t>
             </a:fld>
             <a:endParaRPr lang="en-US"/>
           </a:p>
@@ -8204,7 +8209,7 @@
           <a:p>
             <a:fld id="{56A16C53-2A24-4586-AB7F-B53C9D96C8C3}" type="datetimeFigureOut">
               <a:rPr lang="en-US" smtClean="0"/>
-              <a:t>2020-10-17</a:t>
+              <a:t>10/18/2020</a:t>
             </a:fld>
             <a:endParaRPr lang="en-US"/>
           </a:p>
@@ -8322,7 +8327,7 @@
           <a:p>
             <a:fld id="{56A16C53-2A24-4586-AB7F-B53C9D96C8C3}" type="datetimeFigureOut">
               <a:rPr lang="en-US" smtClean="0"/>
-              <a:t>2020-10-17</a:t>
+              <a:t>10/18/2020</a:t>
             </a:fld>
             <a:endParaRPr lang="en-US"/>
           </a:p>
@@ -8417,7 +8422,7 @@
           <a:p>
             <a:fld id="{56A16C53-2A24-4586-AB7F-B53C9D96C8C3}" type="datetimeFigureOut">
               <a:rPr lang="en-US" smtClean="0"/>
-              <a:t>2020-10-17</a:t>
+              <a:t>10/18/2020</a:t>
             </a:fld>
             <a:endParaRPr lang="en-US"/>
           </a:p>
@@ -8666,7 +8671,7 @@
           <a:p>
             <a:fld id="{56A16C53-2A24-4586-AB7F-B53C9D96C8C3}" type="datetimeFigureOut">
               <a:rPr lang="en-US" smtClean="0"/>
-              <a:t>2020-10-17</a:t>
+              <a:t>10/18/2020</a:t>
             </a:fld>
             <a:endParaRPr lang="en-US"/>
           </a:p>
@@ -8946,7 +8951,7 @@
           <a:p>
             <a:fld id="{56A16C53-2A24-4586-AB7F-B53C9D96C8C3}" type="datetimeFigureOut">
               <a:rPr lang="en-US" smtClean="0"/>
-              <a:t>2020-10-17</a:t>
+              <a:t>10/18/2020</a:t>
             </a:fld>
             <a:endParaRPr lang="en-US"/>
           </a:p>
@@ -12023,7 +12028,7 @@
           <a:p>
             <a:fld id="{56A16C53-2A24-4586-AB7F-B53C9D96C8C3}" type="datetimeFigureOut">
               <a:rPr lang="en-US" smtClean="0"/>
-              <a:t>2020-10-17</a:t>
+              <a:t>10/18/2020</a:t>
             </a:fld>
             <a:endParaRPr lang="en-US"/>
           </a:p>
@@ -18134,7 +18139,7 @@
           <p:nvPr>
             <p:extLst>
               <p:ext uri="{D42A27DB-BD31-4B8C-83A1-F6EECF244321}">
-                <p14:modId xmlns:p14="http://schemas.microsoft.com/office/powerpoint/2010/main" val="1511035508"/>
+                <p14:modId xmlns:p14="http://schemas.microsoft.com/office/powerpoint/2010/main" val="1023369496"/>
               </p:ext>
             </p:extLst>
           </p:nvPr>
@@ -18256,7 +18261,7 @@
                     <a:p>
                       <a:r>
                         <a:rPr lang="en-US" sz="1050" dirty="0"/>
-                        <a:t>0.80</a:t>
+                        <a:t>0.27</a:t>
                       </a:r>
                     </a:p>
                   </a:txBody>
@@ -18269,7 +18274,7 @@
                     <a:p>
                       <a:r>
                         <a:rPr lang="en-US" sz="1050" dirty="0"/>
-                        <a:t>0.77</a:t>
+                        <a:t>0.31</a:t>
                       </a:r>
                     </a:p>
                   </a:txBody>
@@ -18282,7 +18287,7 @@
                     <a:p>
                       <a:r>
                         <a:rPr lang="en-US" sz="1050" dirty="0"/>
-                        <a:t>0.77</a:t>
+                        <a:t>0.26</a:t>
                       </a:r>
                     </a:p>
                   </a:txBody>
@@ -18315,7 +18320,7 @@
                     <a:p>
                       <a:r>
                         <a:rPr lang="en-US" sz="1050" dirty="0"/>
-                        <a:t>0.81</a:t>
+                        <a:t>0.26</a:t>
                       </a:r>
                     </a:p>
                   </a:txBody>
@@ -18328,7 +18333,7 @@
                     <a:p>
                       <a:r>
                         <a:rPr lang="en-US" sz="1050" dirty="0"/>
-                        <a:t>0.77</a:t>
+                        <a:t>0.29</a:t>
                       </a:r>
                     </a:p>
                   </a:txBody>
@@ -18341,7 +18346,7 @@
                     <a:p>
                       <a:r>
                         <a:rPr lang="en-US" sz="1050" dirty="0"/>
-                        <a:t>0.77</a:t>
+                        <a:t>0.24</a:t>
                       </a:r>
                     </a:p>
                   </a:txBody>
@@ -18413,7 +18418,7 @@
           <p:nvPr>
             <p:extLst>
               <p:ext uri="{D42A27DB-BD31-4B8C-83A1-F6EECF244321}">
-                <p14:modId xmlns:p14="http://schemas.microsoft.com/office/powerpoint/2010/main" val="3816043977"/>
+                <p14:modId xmlns:p14="http://schemas.microsoft.com/office/powerpoint/2010/main" val="1737293847"/>
               </p:ext>
             </p:extLst>
           </p:nvPr>
@@ -18535,7 +18540,7 @@
                     <a:p>
                       <a:r>
                         <a:rPr lang="en-US" sz="1050" dirty="0"/>
-                        <a:t>0.81</a:t>
+                        <a:t>0.54</a:t>
                       </a:r>
                     </a:p>
                   </a:txBody>
@@ -18548,7 +18553,7 @@
                     <a:p>
                       <a:r>
                         <a:rPr lang="en-US" sz="1050" dirty="0"/>
-                        <a:t>0.71</a:t>
+                        <a:t>0.52</a:t>
                       </a:r>
                     </a:p>
                   </a:txBody>
@@ -18561,7 +18566,7 @@
                     <a:p>
                       <a:r>
                         <a:rPr lang="en-US" sz="1050" dirty="0"/>
-                        <a:t>0.72</a:t>
+                        <a:t>0.52</a:t>
                       </a:r>
                     </a:p>
                   </a:txBody>
@@ -18594,7 +18599,7 @@
                     <a:p>
                       <a:r>
                         <a:rPr lang="en-US" sz="1050" dirty="0"/>
-                        <a:t>0.81</a:t>
+                        <a:t>0.64</a:t>
                       </a:r>
                     </a:p>
                   </a:txBody>
@@ -18607,7 +18612,7 @@
                     <a:p>
                       <a:r>
                         <a:rPr lang="en-US" sz="1050" dirty="0"/>
-                        <a:t>0.76</a:t>
+                        <a:t>0.68</a:t>
                       </a:r>
                     </a:p>
                   </a:txBody>
@@ -18620,7 +18625,7 @@
                     <a:p>
                       <a:r>
                         <a:rPr lang="en-US" sz="1050" dirty="0"/>
-                        <a:t>0.76</a:t>
+                        <a:t>0.64</a:t>
                       </a:r>
                     </a:p>
                   </a:txBody>
@@ -18878,9 +18883,16 @@
             <p:ph idx="1"/>
           </p:nvPr>
         </p:nvSpPr>
-        <p:spPr/>
+        <p:spPr>
+          <a:xfrm>
+            <a:off x="1020388" y="2357064"/>
+            <a:ext cx="9905999" cy="3541714"/>
+          </a:xfrm>
+        </p:spPr>
         <p:txBody>
-          <a:bodyPr/>
+          <a:bodyPr>
+            <a:normAutofit/>
+          </a:bodyPr>
           <a:lstStyle/>
           <a:p>
             <a:pPr marL="0" indent="0">
@@ -18890,6 +18902,101 @@
               <a:rPr lang="en-US" dirty="0"/>
               <a:t>Parameters &amp; Validation Set Experiments:</a:t>
             </a:r>
+          </a:p>
+          <a:p>
+            <a:pPr marL="0" indent="0">
+              <a:buNone/>
+            </a:pPr>
+            <a:r>
+              <a:rPr lang="en-US" dirty="0" err="1"/>
+              <a:t>Test_set</a:t>
+            </a:r>
+            <a:r>
+              <a:rPr lang="en-US" dirty="0"/>
+              <a:t>:</a:t>
+            </a:r>
+          </a:p>
+          <a:p>
+            <a:pPr marL="0" indent="0">
+              <a:buNone/>
+            </a:pPr>
+            <a:r>
+              <a:rPr lang="en-US" dirty="0"/>
+              <a:t>Criterion: Entropy, Max_node:29, </a:t>
+            </a:r>
+            <a:r>
+              <a:rPr lang="en-US" dirty="0" err="1"/>
+              <a:t>Min_impurity</a:t>
+            </a:r>
+            <a:r>
+              <a:rPr lang="en-US" dirty="0"/>
+              <a:t>: 0, </a:t>
+            </a:r>
+            <a:r>
+              <a:rPr lang="en-US" dirty="0" err="1"/>
+              <a:t>Min_smaples</a:t>
+            </a:r>
+            <a:r>
+              <a:rPr lang="en-US"/>
+              <a:t>: 3</a:t>
+            </a:r>
+            <a:endParaRPr lang="en-US" dirty="0"/>
+          </a:p>
+          <a:p>
+            <a:pPr marL="0" indent="0">
+              <a:buNone/>
+            </a:pPr>
+            <a:r>
+              <a:rPr lang="en-US" dirty="0" err="1"/>
+              <a:t>Val_set</a:t>
+            </a:r>
+            <a:r>
+              <a:rPr lang="en-US" dirty="0"/>
+              <a:t>:</a:t>
+            </a:r>
+          </a:p>
+          <a:p>
+            <a:pPr marL="0" indent="0">
+              <a:buNone/>
+            </a:pPr>
+            <a:r>
+              <a:rPr lang="en-US" dirty="0"/>
+              <a:t>Criterion: Gini, Max_node:27, </a:t>
+            </a:r>
+            <a:r>
+              <a:rPr lang="en-US" dirty="0" err="1"/>
+              <a:t>Min_impurity</a:t>
+            </a:r>
+            <a:r>
+              <a:rPr lang="en-US" dirty="0"/>
+              <a:t>: 0, </a:t>
+            </a:r>
+            <a:r>
+              <a:rPr lang="en-US" dirty="0" err="1"/>
+              <a:t>Min_smaples</a:t>
+            </a:r>
+            <a:r>
+              <a:rPr lang="en-US" dirty="0"/>
+              <a:t>: 2</a:t>
+            </a:r>
+          </a:p>
+          <a:p>
+            <a:pPr marL="0" indent="0">
+              <a:buNone/>
+            </a:pPr>
+            <a:endParaRPr lang="en-US" dirty="0"/>
+          </a:p>
+          <a:p>
+            <a:pPr marL="0" indent="0">
+              <a:buNone/>
+            </a:pPr>
+            <a:endParaRPr lang="en-US" dirty="0"/>
+          </a:p>
+          <a:p>
+            <a:pPr marL="0" indent="0">
+              <a:buNone/>
+            </a:pPr>
+            <a:endParaRPr lang="en-US" dirty="0"/>
           </a:p>
         </p:txBody>
       </p:sp>
